--- a/Girlypop.pptx
+++ b/Girlypop.pptx
@@ -5,7 +5,7 @@
     <p:sldMasterId id="2147483648" r:id="rId1"/>
   </p:sldMasterIdLst>
   <p:sldIdLst>
-    <p:sldId id="256" r:id="rId2"/>
+    <p:sldId id="260" r:id="rId2"/>
     <p:sldId id="257" r:id="rId3"/>
   </p:sldIdLst>
   <p:sldSz cx="12192000" cy="6858000"/>
@@ -105,6 +105,11 @@
       </a:defRPr>
     </a:lvl9pPr>
   </p:defaultTextStyle>
+  <p:extLst>
+    <p:ext uri="{EFAFB233-063F-42B5-8137-9DF3F51BA10A}">
+      <p15:sldGuideLst xmlns:p15="http://schemas.microsoft.com/office/powerpoint/2012/main"/>
+    </p:ext>
+  </p:extLst>
 </p:presentation>
 </file>
 
@@ -239,7 +244,7 @@
           <a:p>
             <a:fld id="{FEDB2B4C-DA28-410A-BE00-4AED541FE898}" type="datetimeFigureOut">
               <a:rPr lang="es-MX" smtClean="0"/>
-              <a:t>05/03/2024</a:t>
+              <a:t>07/03/2024</a:t>
             </a:fld>
             <a:endParaRPr lang="es-MX"/>
           </a:p>
@@ -409,7 +414,7 @@
           <a:p>
             <a:fld id="{FEDB2B4C-DA28-410A-BE00-4AED541FE898}" type="datetimeFigureOut">
               <a:rPr lang="es-MX" smtClean="0"/>
-              <a:t>05/03/2024</a:t>
+              <a:t>07/03/2024</a:t>
             </a:fld>
             <a:endParaRPr lang="es-MX"/>
           </a:p>
@@ -589,7 +594,7 @@
           <a:p>
             <a:fld id="{FEDB2B4C-DA28-410A-BE00-4AED541FE898}" type="datetimeFigureOut">
               <a:rPr lang="es-MX" smtClean="0"/>
-              <a:t>05/03/2024</a:t>
+              <a:t>07/03/2024</a:t>
             </a:fld>
             <a:endParaRPr lang="es-MX"/>
           </a:p>
@@ -759,7 +764,7 @@
           <a:p>
             <a:fld id="{FEDB2B4C-DA28-410A-BE00-4AED541FE898}" type="datetimeFigureOut">
               <a:rPr lang="es-MX" smtClean="0"/>
-              <a:t>05/03/2024</a:t>
+              <a:t>07/03/2024</a:t>
             </a:fld>
             <a:endParaRPr lang="es-MX"/>
           </a:p>
@@ -1005,7 +1010,7 @@
           <a:p>
             <a:fld id="{FEDB2B4C-DA28-410A-BE00-4AED541FE898}" type="datetimeFigureOut">
               <a:rPr lang="es-MX" smtClean="0"/>
-              <a:t>05/03/2024</a:t>
+              <a:t>07/03/2024</a:t>
             </a:fld>
             <a:endParaRPr lang="es-MX"/>
           </a:p>
@@ -1237,7 +1242,7 @@
           <a:p>
             <a:fld id="{FEDB2B4C-DA28-410A-BE00-4AED541FE898}" type="datetimeFigureOut">
               <a:rPr lang="es-MX" smtClean="0"/>
-              <a:t>05/03/2024</a:t>
+              <a:t>07/03/2024</a:t>
             </a:fld>
             <a:endParaRPr lang="es-MX"/>
           </a:p>
@@ -1604,7 +1609,7 @@
           <a:p>
             <a:fld id="{FEDB2B4C-DA28-410A-BE00-4AED541FE898}" type="datetimeFigureOut">
               <a:rPr lang="es-MX" smtClean="0"/>
-              <a:t>05/03/2024</a:t>
+              <a:t>07/03/2024</a:t>
             </a:fld>
             <a:endParaRPr lang="es-MX"/>
           </a:p>
@@ -1722,7 +1727,7 @@
           <a:p>
             <a:fld id="{FEDB2B4C-DA28-410A-BE00-4AED541FE898}" type="datetimeFigureOut">
               <a:rPr lang="es-MX" smtClean="0"/>
-              <a:t>05/03/2024</a:t>
+              <a:t>07/03/2024</a:t>
             </a:fld>
             <a:endParaRPr lang="es-MX"/>
           </a:p>
@@ -1817,7 +1822,7 @@
           <a:p>
             <a:fld id="{FEDB2B4C-DA28-410A-BE00-4AED541FE898}" type="datetimeFigureOut">
               <a:rPr lang="es-MX" smtClean="0"/>
-              <a:t>05/03/2024</a:t>
+              <a:t>07/03/2024</a:t>
             </a:fld>
             <a:endParaRPr lang="es-MX"/>
           </a:p>
@@ -2094,7 +2099,7 @@
           <a:p>
             <a:fld id="{FEDB2B4C-DA28-410A-BE00-4AED541FE898}" type="datetimeFigureOut">
               <a:rPr lang="es-MX" smtClean="0"/>
-              <a:t>05/03/2024</a:t>
+              <a:t>07/03/2024</a:t>
             </a:fld>
             <a:endParaRPr lang="es-MX"/>
           </a:p>
@@ -2347,7 +2352,7 @@
           <a:p>
             <a:fld id="{FEDB2B4C-DA28-410A-BE00-4AED541FE898}" type="datetimeFigureOut">
               <a:rPr lang="es-MX" smtClean="0"/>
-              <a:t>05/03/2024</a:t>
+              <a:t>07/03/2024</a:t>
             </a:fld>
             <a:endParaRPr lang="es-MX"/>
           </a:p>
@@ -2560,7 +2565,7 @@
           <a:p>
             <a:fld id="{FEDB2B4C-DA28-410A-BE00-4AED541FE898}" type="datetimeFigureOut">
               <a:rPr lang="es-MX" smtClean="0"/>
-              <a:t>05/03/2024</a:t>
+              <a:t>07/03/2024</a:t>
             </a:fld>
             <a:endParaRPr lang="es-MX"/>
           </a:p>
@@ -2975,12 +2980,29 @@
             <p:ph type="ctrTitle"/>
           </p:nvPr>
         </p:nvSpPr>
-        <p:spPr/>
+        <p:spPr>
+          <a:xfrm>
+            <a:off x="1597573" y="809297"/>
+            <a:ext cx="9144000" cy="1292280"/>
+          </a:xfrm>
+        </p:spPr>
         <p:txBody>
           <a:bodyPr/>
           <a:lstStyle/>
           <a:p>
-            <a:endParaRPr lang="es-MX"/>
+            <a:r>
+              <a:rPr lang="es-MX" dirty="0" smtClean="0">
+                <a:solidFill>
+                  <a:srgbClr val="FFCCFF"/>
+                </a:solidFill>
+              </a:rPr>
+              <a:t>EQUIPO GIRLYPOP</a:t>
+            </a:r>
+            <a:endParaRPr lang="es-MX" dirty="0">
+              <a:solidFill>
+                <a:srgbClr val="FFCCFF"/>
+              </a:solidFill>
+            </a:endParaRPr>
           </a:p>
         </p:txBody>
       </p:sp>
@@ -2994,19 +3016,68 @@
             <p:ph type="subTitle" idx="1"/>
           </p:nvPr>
         </p:nvSpPr>
-        <p:spPr/>
-        <p:txBody>
-          <a:bodyPr/>
-          <a:lstStyle/>
-          <a:p>
-            <a:endParaRPr lang="es-MX"/>
+        <p:spPr>
+          <a:xfrm>
+            <a:off x="1524000" y="2519472"/>
+            <a:ext cx="9144000" cy="1655762"/>
+          </a:xfrm>
+        </p:spPr>
+        <p:txBody>
+          <a:bodyPr>
+            <a:normAutofit lnSpcReduction="10000"/>
+          </a:bodyPr>
+          <a:lstStyle/>
+          <a:p>
+            <a:r>
+              <a:rPr lang="es-MX" dirty="0" smtClean="0">
+                <a:solidFill>
+                  <a:srgbClr val="CC99FF"/>
+                </a:solidFill>
+              </a:rPr>
+              <a:t>ANA ZOE BELTRAN ZAPIEN</a:t>
+            </a:r>
+          </a:p>
+          <a:p>
+            <a:r>
+              <a:rPr lang="es-MX" dirty="0" smtClean="0">
+                <a:solidFill>
+                  <a:srgbClr val="CC99FF"/>
+                </a:solidFill>
+              </a:rPr>
+              <a:t>LUZ MELISSA CHAVEZ MURILLO</a:t>
+            </a:r>
+          </a:p>
+          <a:p>
+            <a:r>
+              <a:rPr lang="es-MX" dirty="0" smtClean="0">
+                <a:solidFill>
+                  <a:srgbClr val="CC99FF"/>
+                </a:solidFill>
+              </a:rPr>
+              <a:t>ALMA JIMENA LARA MORENO</a:t>
+            </a:r>
+          </a:p>
+          <a:p>
+            <a:r>
+              <a:rPr lang="es-MX" dirty="0" smtClean="0">
+                <a:solidFill>
+                  <a:srgbClr val="CC99FF"/>
+                </a:solidFill>
+              </a:rPr>
+              <a:t>BRUNETTE SOFIA LOPEZ CHAVIRA</a:t>
+            </a:r>
+            <a:endParaRPr lang="es-MX" dirty="0" smtClean="0">
+              <a:solidFill>
+                <a:srgbClr val="CC99FF"/>
+              </a:solidFill>
+            </a:endParaRPr>
           </a:p>
         </p:txBody>
       </p:sp>
     </p:spTree>
     <p:extLst>
       <p:ext uri="{BB962C8B-B14F-4D97-AF65-F5344CB8AC3E}">
-        <p14:creationId xmlns:p14="http://schemas.microsoft.com/office/powerpoint/2010/main" val="3793532611"/>
+        <p14:creationId xmlns:p14="http://schemas.microsoft.com/office/powerpoint/2010/main" val="3364881274"/>
       </p:ext>
     </p:extLst>
   </p:cSld>
